--- a/Slides/5 关节模拟/6 Joint1.pptx
+++ b/Slides/5 关节模拟/6 Joint1.pptx
@@ -338,7 +338,7 @@
         <p:nvSpPr>
           <p:cNvPr id="30724" name="Rectangle 4"/>
           <p:cNvSpPr>
-            <a:spLocks noRot="1" noChangeArrowheads="1" noTextEdit="1"/>
+            <a:spLocks noGrp="1" noRot="1" noChangeAspect="1" noChangeArrowheads="1" noTextEdit="1"/>
           </p:cNvSpPr>
           <p:nvPr>
             <p:ph type="sldImg" idx="2"/>
@@ -917,7 +917,7 @@
         <p:nvSpPr>
           <p:cNvPr id="31747" name="Rectangle 2"/>
           <p:cNvSpPr>
-            <a:spLocks noRot="1" noChangeArrowheads="1" noTextEdit="1"/>
+            <a:spLocks noGrp="1" noRot="1" noChangeAspect="1" noChangeArrowheads="1" noTextEdit="1"/>
           </p:cNvSpPr>
           <p:nvPr>
             <p:ph type="sldImg"/>
@@ -1118,7 +1118,7 @@
         <p:nvSpPr>
           <p:cNvPr id="32771" name="Rectangle 2"/>
           <p:cNvSpPr>
-            <a:spLocks noRot="1" noChangeArrowheads="1" noTextEdit="1"/>
+            <a:spLocks noGrp="1" noRot="1" noChangeAspect="1" noChangeArrowheads="1" noTextEdit="1"/>
           </p:cNvSpPr>
           <p:nvPr>
             <p:ph type="sldImg"/>
@@ -1337,7 +1337,7 @@
         <p:nvSpPr>
           <p:cNvPr id="33795" name="Rectangle 2"/>
           <p:cNvSpPr>
-            <a:spLocks noRot="1" noChangeArrowheads="1" noTextEdit="1"/>
+            <a:spLocks noGrp="1" noRot="1" noChangeAspect="1" noChangeArrowheads="1" noTextEdit="1"/>
           </p:cNvSpPr>
           <p:nvPr>
             <p:ph type="sldImg"/>
@@ -1549,7 +1549,7 @@
         <p:nvSpPr>
           <p:cNvPr id="34819" name="Rectangle 2"/>
           <p:cNvSpPr>
-            <a:spLocks noRot="1" noChangeArrowheads="1" noTextEdit="1"/>
+            <a:spLocks noGrp="1" noRot="1" noChangeAspect="1" noChangeArrowheads="1" noTextEdit="1"/>
           </p:cNvSpPr>
           <p:nvPr>
             <p:ph type="sldImg"/>
@@ -1771,7 +1771,7 @@
         <p:nvSpPr>
           <p:cNvPr id="35843" name="Rectangle 2"/>
           <p:cNvSpPr>
-            <a:spLocks noRot="1" noChangeArrowheads="1" noTextEdit="1"/>
+            <a:spLocks noGrp="1" noRot="1" noChangeAspect="1" noChangeArrowheads="1" noTextEdit="1"/>
           </p:cNvSpPr>
           <p:nvPr>
             <p:ph type="sldImg"/>
@@ -2007,7 +2007,7 @@
         <p:nvSpPr>
           <p:cNvPr id="36867" name="Rectangle 2"/>
           <p:cNvSpPr>
-            <a:spLocks noRot="1" noChangeArrowheads="1" noTextEdit="1"/>
+            <a:spLocks noGrp="1" noRot="1" noChangeAspect="1" noChangeArrowheads="1" noTextEdit="1"/>
           </p:cNvSpPr>
           <p:nvPr>
             <p:ph type="sldImg"/>
@@ -2208,7 +2208,7 @@
         <p:nvSpPr>
           <p:cNvPr id="37891" name="Rectangle 2"/>
           <p:cNvSpPr>
-            <a:spLocks noRot="1" noChangeArrowheads="1" noTextEdit="1"/>
+            <a:spLocks noGrp="1" noRot="1" noChangeAspect="1" noChangeArrowheads="1" noTextEdit="1"/>
           </p:cNvSpPr>
           <p:nvPr>
             <p:ph type="sldImg"/>
@@ -2409,7 +2409,7 @@
         <p:nvSpPr>
           <p:cNvPr id="38915" name="Rectangle 2"/>
           <p:cNvSpPr>
-            <a:spLocks noRot="1" noChangeArrowheads="1" noTextEdit="1"/>
+            <a:spLocks noGrp="1" noRot="1" noChangeAspect="1" noChangeArrowheads="1" noTextEdit="1"/>
           </p:cNvSpPr>
           <p:nvPr>
             <p:ph type="sldImg"/>
@@ -6530,8 +6530,11 @@
               <a:rPr lang="en-US" altLang="zh-CN" smtClean="0">
                 <a:ea typeface="宋体" charset="-122"/>
               </a:rPr>
-              <a:t>joint</a:t>
-            </a:r>
+              <a:t>Joint</a:t>
+            </a:r>
+            <a:endParaRPr lang="en-US" altLang="zh-CN" dirty="0" smtClean="0">
+              <a:ea typeface="宋体" charset="-122"/>
+            </a:endParaRPr>
           </a:p>
         </p:txBody>
       </p:sp>
@@ -9622,13 +9625,7 @@
               <a:rPr lang="zh-CN" altLang="en-US" dirty="0" smtClean="0">
                 <a:ea typeface="宋体" charset="-122"/>
               </a:rPr>
-              <a:t>练习</a:t>
-            </a:r>
-            <a:r>
-              <a:rPr lang="zh-CN" altLang="en-US" dirty="0" smtClean="0">
-                <a:ea typeface="宋体" charset="-122"/>
-              </a:rPr>
-              <a:t>要点：</a:t>
+              <a:t>练习要点：</a:t>
             </a:r>
           </a:p>
           <a:p>
@@ -9736,17 +9733,8 @@
               <a:rPr lang="zh-CN" altLang="en-US" sz="3200" dirty="0" smtClean="0">
                 <a:ea typeface="宋体" charset="-122"/>
               </a:rPr>
-              <a:t>范例</a:t>
-            </a:r>
-            <a:r>
-              <a:rPr lang="zh-CN" altLang="en-US" sz="3200" dirty="0" smtClean="0">
-                <a:ea typeface="宋体" charset="-122"/>
-              </a:rPr>
-              <a:t>讲解</a:t>
-            </a:r>
-            <a:endParaRPr lang="zh-CN" altLang="en-US" sz="3200" dirty="0" smtClean="0">
-              <a:ea typeface="宋体" charset="-122"/>
-            </a:endParaRPr>
+              <a:t>范例讲解</a:t>
+            </a:r>
           </a:p>
         </p:txBody>
       </p:sp>
